--- a/docs/RebootRebels-SitecoreHackathon-2023.pptx
+++ b/docs/RebootRebels-SitecoreHackathon-2023.pptx
@@ -8785,7 +8785,7 @@
         </p:nvSpPr>
         <p:spPr>
           <a:xfrm>
-            <a:off x="532263" y="274639"/>
+            <a:off x="532263" y="254974"/>
             <a:ext cx="7970292" cy="1143000"/>
           </a:xfrm>
         </p:spPr>
@@ -8950,6 +8950,36 @@
           </a:p>
         </p:txBody>
       </p:sp>
+      <p:pic>
+        <p:nvPicPr>
+          <p:cNvPr id="4" name="Picture 3">
+            <a:extLst>
+              <a:ext uri="{FF2B5EF4-FFF2-40B4-BE49-F238E27FC236}">
+                <a16:creationId xmlns:a16="http://schemas.microsoft.com/office/drawing/2014/main" id="{E4F0F556-DDD0-DAC5-C0A9-4C24D18CC16F}"/>
+              </a:ext>
+            </a:extLst>
+          </p:cNvPr>
+          <p:cNvPicPr>
+            <a:picLocks noChangeAspect="1"/>
+          </p:cNvPicPr>
+          <p:nvPr/>
+        </p:nvPicPr>
+        <p:blipFill>
+          <a:blip r:embed="rId3"/>
+          <a:stretch>
+            <a:fillRect/>
+          </a:stretch>
+        </p:blipFill>
+        <p:spPr>
+          <a:xfrm>
+            <a:off x="894736" y="1883102"/>
+            <a:ext cx="6390968" cy="3645225"/>
+          </a:xfrm>
+          <a:prstGeom prst="rect">
+            <a:avLst/>
+          </a:prstGeom>
+        </p:spPr>
+      </p:pic>
     </p:spTree>
     <p:extLst>
       <p:ext uri="{BB962C8B-B14F-4D97-AF65-F5344CB8AC3E}">
@@ -9150,8 +9180,21 @@
                 <a:ea typeface="Calibri" panose="020F0502020204030204" pitchFamily="34" charset="0"/>
                 <a:cs typeface="Calibri" panose="020F0502020204030204" pitchFamily="34" charset="0"/>
               </a:rPr>
-              <a:t>Download zipped package ‘20230304.2225.SH 2023-1.zip’ from path ‘’ </a:t>
-            </a:r>
+              <a:t>Download zipped package ‘20230304.2225.SH 2023-1.</a:t>
+            </a:r>
+            <a:r>
+              <a:rPr lang="en-IN">
+                <a:latin typeface="Calibri" panose="020F0502020204030204" pitchFamily="34" charset="0"/>
+                <a:ea typeface="Calibri" panose="020F0502020204030204" pitchFamily="34" charset="0"/>
+                <a:cs typeface="Calibri" panose="020F0502020204030204" pitchFamily="34" charset="0"/>
+              </a:rPr>
+              <a:t>zip’ </a:t>
+            </a:r>
+            <a:endParaRPr lang="en-IN" dirty="0">
+              <a:latin typeface="Calibri" panose="020F0502020204030204" pitchFamily="34" charset="0"/>
+              <a:ea typeface="Calibri" panose="020F0502020204030204" pitchFamily="34" charset="0"/>
+              <a:cs typeface="Calibri" panose="020F0502020204030204" pitchFamily="34" charset="0"/>
+            </a:endParaRPr>
           </a:p>
           <a:p>
             <a:pPr marL="285750" indent="-285750">
@@ -9170,20 +9213,12 @@
               <a:buChar char="•"/>
             </a:pPr>
             <a:r>
-              <a:rPr lang="en-IN">
-                <a:latin typeface="Calibri" panose="020F0502020204030204" pitchFamily="34" charset="0"/>
-                <a:ea typeface="Calibri" panose="020F0502020204030204" pitchFamily="34" charset="0"/>
-                <a:cs typeface="Calibri" panose="020F0502020204030204" pitchFamily="34" charset="0"/>
-              </a:rPr>
-              <a:t>Install above </a:t>
-            </a:r>
-            <a:r>
               <a:rPr lang="en-IN" dirty="0">
                 <a:latin typeface="Calibri" panose="020F0502020204030204" pitchFamily="34" charset="0"/>
                 <a:ea typeface="Calibri" panose="020F0502020204030204" pitchFamily="34" charset="0"/>
                 <a:cs typeface="Calibri" panose="020F0502020204030204" pitchFamily="34" charset="0"/>
               </a:rPr>
-              <a:t>package in Sitecore using  </a:t>
+              <a:t>Install above package in Sitecore using  </a:t>
             </a:r>
             <a:br>
               <a:rPr lang="en-IN" dirty="0">
